--- a/template.pptx
+++ b/template.pptx
@@ -8,7 +8,8 @@
     <p:sldId id="256" r:id="rId2"/>
     <p:sldId id="257" r:id="rId3"/>
     <p:sldId id="259" r:id="rId4"/>
-    <p:sldId id="258" r:id="rId5"/>
+    <p:sldId id="260" r:id="rId5"/>
+    <p:sldId id="258" r:id="rId6"/>
   </p:sldIdLst>
   <p:sldSz cx="12192000" cy="12188825"/>
   <p:notesSz cx="6858000" cy="9144000"/>
@@ -311,7 +312,7 @@
           <a:p>
             <a:fld id="{ECD19FB2-3AAB-4D03-B13A-2960828C78E3}" type="datetimeFigureOut">
               <a:rPr lang="en-US" smtClean="0"/>
-              <a:t>10/7/2015</a:t>
+              <a:t>10/21/2015</a:t>
             </a:fld>
             <a:endParaRPr lang="en-US" dirty="0"/>
           </a:p>
@@ -598,7 +599,7 @@
           <a:p>
             <a:fld id="{1B80C674-7DFC-42FE-B9CD-82963CDB1557}" type="datetimeFigureOut">
               <a:rPr lang="en-US" smtClean="0"/>
-              <a:t>10/7/2015</a:t>
+              <a:t>10/21/2015</a:t>
             </a:fld>
             <a:endParaRPr lang="en-US" dirty="0"/>
           </a:p>
@@ -795,7 +796,7 @@
           <a:p>
             <a:fld id="{2076456F-F47D-4F25-8053-2A695DA0CA7D}" type="datetimeFigureOut">
               <a:rPr lang="en-US" smtClean="0"/>
-              <a:t>10/7/2015</a:t>
+              <a:t>10/21/2015</a:t>
             </a:fld>
             <a:endParaRPr lang="en-US" dirty="0"/>
           </a:p>
@@ -1061,7 +1062,7 @@
           <a:p>
             <a:fld id="{5D6C7379-69CC-4837-9905-BEBA22830C8A}" type="datetimeFigureOut">
               <a:rPr lang="en-US" smtClean="0"/>
-              <a:t>10/7/2015</a:t>
+              <a:t>10/21/2015</a:t>
             </a:fld>
             <a:endParaRPr lang="en-US" dirty="0"/>
           </a:p>
@@ -1492,7 +1493,7 @@
           <a:p>
             <a:fld id="{49EB8B7E-8AEE-4F10-BFEE-C999AD004D36}" type="datetimeFigureOut">
               <a:rPr lang="en-US" smtClean="0"/>
-              <a:t>10/7/2015</a:t>
+              <a:t>10/21/2015</a:t>
             </a:fld>
             <a:endParaRPr lang="en-US" dirty="0"/>
           </a:p>
@@ -2043,7 +2044,7 @@
           <a:p>
             <a:fld id="{8668F3F9-58BC-440B-B37B-805B9055EF92}" type="datetimeFigureOut">
               <a:rPr lang="en-US" smtClean="0"/>
-              <a:t>10/7/2015</a:t>
+              <a:t>10/21/2015</a:t>
             </a:fld>
             <a:endParaRPr lang="en-US" dirty="0"/>
           </a:p>
@@ -2879,7 +2880,7 @@
           <a:p>
             <a:fld id="{0D5A53AF-48EA-489D-8260-9DCAB666386A}" type="datetimeFigureOut">
               <a:rPr lang="en-US" smtClean="0"/>
-              <a:t>10/7/2015</a:t>
+              <a:t>10/21/2015</a:t>
             </a:fld>
             <a:endParaRPr lang="en-US" dirty="0"/>
           </a:p>
@@ -3054,7 +3055,7 @@
           <a:p>
             <a:fld id="{0DED02AE-B9A4-47BD-AF8E-97E16144138B}" type="datetimeFigureOut">
               <a:rPr lang="en-US" smtClean="0"/>
-              <a:t>10/7/2015</a:t>
+              <a:t>10/21/2015</a:t>
             </a:fld>
             <a:endParaRPr lang="en-US" dirty="0"/>
           </a:p>
@@ -3239,7 +3240,7 @@
           <a:p>
             <a:fld id="{CF0FD78B-DB02-4362-BCDC-98A55456977C}" type="datetimeFigureOut">
               <a:rPr lang="en-US" smtClean="0"/>
-              <a:t>10/7/2015</a:t>
+              <a:t>10/21/2015</a:t>
             </a:fld>
             <a:endParaRPr lang="en-US" dirty="0"/>
           </a:p>
@@ -3414,7 +3415,7 @@
           <a:p>
             <a:fld id="{99916976-5D93-46E4-A98A-FAD63E4D0EA8}" type="datetimeFigureOut">
               <a:rPr lang="en-US" smtClean="0"/>
-              <a:t>10/7/2015</a:t>
+              <a:t>10/21/2015</a:t>
             </a:fld>
             <a:endParaRPr lang="en-US" dirty="0"/>
           </a:p>
@@ -3676,7 +3677,7 @@
           <a:p>
             <a:fld id="{0F39F4F5-F4D2-4D2A-AB60-88D37ADCB869}" type="datetimeFigureOut">
               <a:rPr lang="en-US" smtClean="0"/>
-              <a:t>10/7/2015</a:t>
+              <a:t>10/21/2015</a:t>
             </a:fld>
             <a:endParaRPr lang="en-US" dirty="0"/>
           </a:p>
@@ -3913,7 +3914,7 @@
           <a:p>
             <a:fld id="{D23BC6CE-6D1E-47E5-8859-F31AC5380EB2}" type="datetimeFigureOut">
               <a:rPr lang="en-US" smtClean="0"/>
-              <a:t>10/7/2015</a:t>
+              <a:t>10/21/2015</a:t>
             </a:fld>
             <a:endParaRPr lang="en-US" dirty="0"/>
           </a:p>
@@ -4313,7 +4314,7 @@
           <a:p>
             <a:fld id="{B1B4E7C4-4DA4-404D-9965-B13F2DD7D8BF}" type="datetimeFigureOut">
               <a:rPr lang="en-US" smtClean="0"/>
-              <a:t>10/7/2015</a:t>
+              <a:t>10/21/2015</a:t>
             </a:fld>
             <a:endParaRPr lang="en-US" dirty="0"/>
           </a:p>
@@ -4436,7 +4437,7 @@
           <a:p>
             <a:fld id="{476FB7AA-4A53-424F-AD41-70827B6504BA}" type="datetimeFigureOut">
               <a:rPr lang="en-US" smtClean="0"/>
-              <a:t>10/7/2015</a:t>
+              <a:t>10/21/2015</a:t>
             </a:fld>
             <a:endParaRPr lang="en-US" dirty="0"/>
           </a:p>
@@ -4536,7 +4537,7 @@
           <a:p>
             <a:fld id="{E7884882-FB12-4BC8-9960-9AD8104D7FAE}" type="datetimeFigureOut">
               <a:rPr lang="en-US" smtClean="0"/>
-              <a:t>10/7/2015</a:t>
+              <a:t>10/21/2015</a:t>
             </a:fld>
             <a:endParaRPr lang="en-US" dirty="0"/>
           </a:p>
@@ -4816,7 +4817,7 @@
           <a:p>
             <a:fld id="{F7D1BD23-6E54-4D9D-AD88-A2813C73CC25}" type="datetimeFigureOut">
               <a:rPr lang="en-US" smtClean="0"/>
-              <a:t>10/7/2015</a:t>
+              <a:t>10/21/2015</a:t>
             </a:fld>
             <a:endParaRPr lang="en-US" dirty="0"/>
           </a:p>
@@ -5104,7 +5105,7 @@
           <a:p>
             <a:fld id="{1471A834-4F3C-4AF9-9C74-05EC35A0F292}" type="datetimeFigureOut">
               <a:rPr lang="en-US" smtClean="0"/>
-              <a:t>10/7/2015</a:t>
+              <a:t>10/21/2015</a:t>
             </a:fld>
             <a:endParaRPr lang="en-US" dirty="0"/>
           </a:p>
@@ -5349,7 +5350,7 @@
           <a:p>
             <a:fld id="{51CF1133-3259-4C45-BABA-5B62D9C6F78D}" type="datetimeFigureOut">
               <a:rPr lang="en-US" smtClean="0"/>
-              <a:t>10/7/2015</a:t>
+              <a:t>10/21/2015</a:t>
             </a:fld>
             <a:endParaRPr lang="en-US" dirty="0"/>
           </a:p>
@@ -6190,10 +6191,6 @@
               <a:rPr lang="en-US" sz="6398" b="1" dirty="0" smtClean="0"/>
               <a:t>Mentorship Program</a:t>
             </a:r>
-            <a:r>
-              <a:rPr lang="en-US" sz="6398" b="1" dirty="0" smtClean="0"/>
-              <a:t/>
-            </a:r>
             <a:br>
               <a:rPr lang="en-US" sz="6398" b="1" dirty="0" smtClean="0"/>
             </a:br>
@@ -6335,6 +6332,220 @@
 </file>
 
 <file path=ppt/slides/slide4.xml><?xml version="1.0" encoding="utf-8"?>
+<p:sld xmlns:a="http://schemas.openxmlformats.org/drawingml/2006/main" xmlns:r="http://schemas.openxmlformats.org/officeDocument/2006/relationships" xmlns:p="http://schemas.openxmlformats.org/presentationml/2006/main">
+  <p:cSld>
+    <p:spTree>
+      <p:nvGrpSpPr>
+        <p:cNvPr id="1" name=""/>
+        <p:cNvGrpSpPr/>
+        <p:nvPr/>
+      </p:nvGrpSpPr>
+      <p:grpSpPr>
+        <a:xfrm>
+          <a:off x="0" y="0"/>
+          <a:ext cx="0" cy="0"/>
+          <a:chOff x="0" y="0"/>
+          <a:chExt cx="0" cy="0"/>
+        </a:xfrm>
+      </p:grpSpPr>
+      <p:sp>
+        <p:nvSpPr>
+          <p:cNvPr id="2" name="Title 1"/>
+          <p:cNvSpPr>
+            <a:spLocks noGrp="1"/>
+          </p:cNvSpPr>
+          <p:nvPr>
+            <p:ph type="title"/>
+          </p:nvPr>
+        </p:nvSpPr>
+        <p:spPr/>
+        <p:txBody>
+          <a:bodyPr>
+            <a:noAutofit/>
+          </a:bodyPr>
+          <a:lstStyle/>
+          <a:p>
+            <a:pPr algn="ctr"/>
+            <a:r>
+              <a:rPr lang="en-US" sz="6398" b="1" dirty="0"/>
+              <a:t>Highlights of CSGSA </a:t>
+            </a:r>
+            <a:r>
+              <a:rPr lang="en-US" sz="6398" b="1" dirty="0" smtClean="0"/>
+              <a:t>Meeting</a:t>
+            </a:r>
+            <a:br>
+              <a:rPr lang="en-US" sz="6398" b="1" dirty="0" smtClean="0"/>
+            </a:br>
+            <a:r>
+              <a:rPr lang="en-US" sz="4000" b="1" dirty="0" smtClean="0"/>
+              <a:t>on October </a:t>
+            </a:r>
+            <a:r>
+              <a:rPr lang="en-US" sz="4000" b="1" dirty="0" smtClean="0"/>
+              <a:t>21</a:t>
+            </a:r>
+            <a:r>
+              <a:rPr lang="en-US" sz="4000" b="1" baseline="30000" dirty="0" smtClean="0"/>
+              <a:t>th</a:t>
+            </a:r>
+            <a:r>
+              <a:rPr lang="en-US" sz="4000" b="1" dirty="0" smtClean="0"/>
+              <a:t> </a:t>
+            </a:r>
+            <a:r>
+              <a:rPr lang="en-US" sz="4000" b="1" dirty="0" smtClean="0"/>
+              <a:t>2015</a:t>
+            </a:r>
+            <a:endParaRPr lang="en-US" sz="4400" dirty="0"/>
+          </a:p>
+        </p:txBody>
+      </p:sp>
+      <p:sp>
+        <p:nvSpPr>
+          <p:cNvPr id="3" name="Content Placeholder 2"/>
+          <p:cNvSpPr>
+            <a:spLocks noGrp="1"/>
+          </p:cNvSpPr>
+          <p:nvPr>
+            <p:ph idx="1"/>
+          </p:nvPr>
+        </p:nvSpPr>
+        <p:spPr/>
+        <p:txBody>
+          <a:bodyPr>
+            <a:normAutofit lnSpcReduction="10000"/>
+          </a:bodyPr>
+          <a:lstStyle/>
+          <a:p>
+            <a:pPr>
+              <a:lnSpc>
+                <a:spcPct val="120000"/>
+              </a:lnSpc>
+            </a:pPr>
+            <a:r>
+              <a:rPr lang="en-US" sz="3600" dirty="0" smtClean="0"/>
+              <a:t>CSGSA is going to host a Seminar</a:t>
+            </a:r>
+            <a:br>
+              <a:rPr lang="en-US" sz="3600" dirty="0" smtClean="0"/>
+            </a:br>
+            <a:r>
+              <a:rPr lang="en-US" sz="3600" dirty="0" smtClean="0"/>
+              <a:t>“</a:t>
+            </a:r>
+            <a:r>
+              <a:rPr lang="en-US" sz="3600" b="1" u="sng" dirty="0" smtClean="0">
+                <a:solidFill>
+                  <a:schemeClr val="accent5">
+                    <a:lumMod val="60000"/>
+                    <a:lumOff val="40000"/>
+                  </a:schemeClr>
+                </a:solidFill>
+              </a:rPr>
+              <a:t>DOS and DONTS in PhD</a:t>
+            </a:r>
+            <a:r>
+              <a:rPr lang="en-US" sz="3600" dirty="0" smtClean="0"/>
+              <a:t>” on Tue, Oct 27, 2015 at 11 am in PGH 232 for all students in the department.</a:t>
+            </a:r>
+          </a:p>
+          <a:p>
+            <a:pPr>
+              <a:lnSpc>
+                <a:spcPct val="120000"/>
+              </a:lnSpc>
+            </a:pPr>
+            <a:endParaRPr lang="en-US" sz="3600" dirty="0" smtClean="0"/>
+          </a:p>
+          <a:p>
+            <a:pPr marL="1879600" lvl="1" indent="-227013">
+              <a:lnSpc>
+                <a:spcPct val="120000"/>
+              </a:lnSpc>
+            </a:pPr>
+            <a:r>
+              <a:rPr lang="en-US" sz="3600" dirty="0" smtClean="0"/>
+              <a:t>11:00 – 11:15 – Speaker 1</a:t>
+            </a:r>
+          </a:p>
+          <a:p>
+            <a:pPr marL="1879600" lvl="1" indent="-227013">
+              <a:lnSpc>
+                <a:spcPct val="120000"/>
+              </a:lnSpc>
+            </a:pPr>
+            <a:r>
+              <a:rPr lang="en-US" sz="3600" dirty="0" smtClean="0"/>
+              <a:t>11:15 – 11:30 – Speaker 2</a:t>
+            </a:r>
+          </a:p>
+          <a:p>
+            <a:pPr marL="1879600" lvl="1" indent="-227013">
+              <a:lnSpc>
+                <a:spcPct val="120000"/>
+              </a:lnSpc>
+            </a:pPr>
+            <a:r>
+              <a:rPr lang="en-US" sz="3600" dirty="0" smtClean="0"/>
+              <a:t>11:35 – 12:15 – Panel Discussion</a:t>
+            </a:r>
+          </a:p>
+          <a:p>
+            <a:pPr marL="1879600" lvl="1" indent="-227013">
+              <a:lnSpc>
+                <a:spcPct val="120000"/>
+              </a:lnSpc>
+            </a:pPr>
+            <a:r>
+              <a:rPr lang="en-US" sz="3600" dirty="0" smtClean="0"/>
+              <a:t>12:15 – 13:00 – Lunch</a:t>
+            </a:r>
+          </a:p>
+          <a:p>
+            <a:pPr marL="457189" lvl="1" indent="0">
+              <a:lnSpc>
+                <a:spcPct val="120000"/>
+              </a:lnSpc>
+              <a:buNone/>
+            </a:pPr>
+            <a:endParaRPr lang="en-US" sz="3067" dirty="0"/>
+          </a:p>
+          <a:p>
+            <a:pPr>
+              <a:lnSpc>
+                <a:spcPct val="120000"/>
+              </a:lnSpc>
+            </a:pPr>
+            <a:r>
+              <a:rPr lang="en-US" sz="3600" dirty="0" smtClean="0"/>
+              <a:t>CSGSA </a:t>
+            </a:r>
+            <a:r>
+              <a:rPr lang="en-US" sz="3600" dirty="0"/>
+              <a:t>is going to </a:t>
+            </a:r>
+            <a:r>
+              <a:rPr lang="en-US" sz="3600" dirty="0" smtClean="0"/>
+              <a:t>meet its prospective new officers on Nov 3, 2015.</a:t>
+            </a:r>
+          </a:p>
+        </p:txBody>
+      </p:sp>
+    </p:spTree>
+    <p:extLst>
+      <p:ext uri="{BB962C8B-B14F-4D97-AF65-F5344CB8AC3E}">
+        <p14:creationId xmlns:p14="http://schemas.microsoft.com/office/powerpoint/2010/main" val="989028143"/>
+      </p:ext>
+    </p:extLst>
+  </p:cSld>
+  <p:clrMapOvr>
+    <a:masterClrMapping/>
+  </p:clrMapOvr>
+</p:sld>
+</file>
+
+<file path=ppt/slides/slide5.xml><?xml version="1.0" encoding="utf-8"?>
 <p:sld xmlns:a="http://schemas.openxmlformats.org/drawingml/2006/main" xmlns:r="http://schemas.openxmlformats.org/officeDocument/2006/relationships" xmlns:p="http://schemas.openxmlformats.org/presentationml/2006/main">
   <p:cSld>
     <p:spTree>

--- a/template.pptx
+++ b/template.pptx
@@ -9,7 +9,8 @@
     <p:sldId id="257" r:id="rId3"/>
     <p:sldId id="259" r:id="rId4"/>
     <p:sldId id="260" r:id="rId5"/>
-    <p:sldId id="258" r:id="rId6"/>
+    <p:sldId id="261" r:id="rId6"/>
+    <p:sldId id="258" r:id="rId7"/>
   </p:sldIdLst>
   <p:sldSz cx="12192000" cy="12188825"/>
   <p:notesSz cx="6858000" cy="9144000"/>
@@ -312,7 +313,7 @@
           <a:p>
             <a:fld id="{ECD19FB2-3AAB-4D03-B13A-2960828C78E3}" type="datetimeFigureOut">
               <a:rPr lang="en-US" smtClean="0"/>
-              <a:t>10/21/2015</a:t>
+              <a:t>11/4/15</a:t>
             </a:fld>
             <a:endParaRPr lang="en-US" dirty="0"/>
           </a:p>
@@ -599,7 +600,7 @@
           <a:p>
             <a:fld id="{1B80C674-7DFC-42FE-B9CD-82963CDB1557}" type="datetimeFigureOut">
               <a:rPr lang="en-US" smtClean="0"/>
-              <a:t>10/21/2015</a:t>
+              <a:t>11/4/15</a:t>
             </a:fld>
             <a:endParaRPr lang="en-US" dirty="0"/>
           </a:p>
@@ -796,7 +797,7 @@
           <a:p>
             <a:fld id="{2076456F-F47D-4F25-8053-2A695DA0CA7D}" type="datetimeFigureOut">
               <a:rPr lang="en-US" smtClean="0"/>
-              <a:t>10/21/2015</a:t>
+              <a:t>11/4/15</a:t>
             </a:fld>
             <a:endParaRPr lang="en-US" dirty="0"/>
           </a:p>
@@ -1062,7 +1063,7 @@
           <a:p>
             <a:fld id="{5D6C7379-69CC-4837-9905-BEBA22830C8A}" type="datetimeFigureOut">
               <a:rPr lang="en-US" smtClean="0"/>
-              <a:t>10/21/2015</a:t>
+              <a:t>11/4/15</a:t>
             </a:fld>
             <a:endParaRPr lang="en-US" dirty="0"/>
           </a:p>
@@ -1493,7 +1494,7 @@
           <a:p>
             <a:fld id="{49EB8B7E-8AEE-4F10-BFEE-C999AD004D36}" type="datetimeFigureOut">
               <a:rPr lang="en-US" smtClean="0"/>
-              <a:t>10/21/2015</a:t>
+              <a:t>11/4/15</a:t>
             </a:fld>
             <a:endParaRPr lang="en-US" dirty="0"/>
           </a:p>
@@ -2044,7 +2045,7 @@
           <a:p>
             <a:fld id="{8668F3F9-58BC-440B-B37B-805B9055EF92}" type="datetimeFigureOut">
               <a:rPr lang="en-US" smtClean="0"/>
-              <a:t>10/21/2015</a:t>
+              <a:t>11/4/15</a:t>
             </a:fld>
             <a:endParaRPr lang="en-US" dirty="0"/>
           </a:p>
@@ -2880,7 +2881,7 @@
           <a:p>
             <a:fld id="{0D5A53AF-48EA-489D-8260-9DCAB666386A}" type="datetimeFigureOut">
               <a:rPr lang="en-US" smtClean="0"/>
-              <a:t>10/21/2015</a:t>
+              <a:t>11/4/15</a:t>
             </a:fld>
             <a:endParaRPr lang="en-US" dirty="0"/>
           </a:p>
@@ -3055,7 +3056,7 @@
           <a:p>
             <a:fld id="{0DED02AE-B9A4-47BD-AF8E-97E16144138B}" type="datetimeFigureOut">
               <a:rPr lang="en-US" smtClean="0"/>
-              <a:t>10/21/2015</a:t>
+              <a:t>11/4/15</a:t>
             </a:fld>
             <a:endParaRPr lang="en-US" dirty="0"/>
           </a:p>
@@ -3240,7 +3241,7 @@
           <a:p>
             <a:fld id="{CF0FD78B-DB02-4362-BCDC-98A55456977C}" type="datetimeFigureOut">
               <a:rPr lang="en-US" smtClean="0"/>
-              <a:t>10/21/2015</a:t>
+              <a:t>11/4/15</a:t>
             </a:fld>
             <a:endParaRPr lang="en-US" dirty="0"/>
           </a:p>
@@ -3415,7 +3416,7 @@
           <a:p>
             <a:fld id="{99916976-5D93-46E4-A98A-FAD63E4D0EA8}" type="datetimeFigureOut">
               <a:rPr lang="en-US" smtClean="0"/>
-              <a:t>10/21/2015</a:t>
+              <a:t>11/4/15</a:t>
             </a:fld>
             <a:endParaRPr lang="en-US" dirty="0"/>
           </a:p>
@@ -3677,7 +3678,7 @@
           <a:p>
             <a:fld id="{0F39F4F5-F4D2-4D2A-AB60-88D37ADCB869}" type="datetimeFigureOut">
               <a:rPr lang="en-US" smtClean="0"/>
-              <a:t>10/21/2015</a:t>
+              <a:t>11/4/15</a:t>
             </a:fld>
             <a:endParaRPr lang="en-US" dirty="0"/>
           </a:p>
@@ -3914,7 +3915,7 @@
           <a:p>
             <a:fld id="{D23BC6CE-6D1E-47E5-8859-F31AC5380EB2}" type="datetimeFigureOut">
               <a:rPr lang="en-US" smtClean="0"/>
-              <a:t>10/21/2015</a:t>
+              <a:t>11/4/15</a:t>
             </a:fld>
             <a:endParaRPr lang="en-US" dirty="0"/>
           </a:p>
@@ -4314,7 +4315,7 @@
           <a:p>
             <a:fld id="{B1B4E7C4-4DA4-404D-9965-B13F2DD7D8BF}" type="datetimeFigureOut">
               <a:rPr lang="en-US" smtClean="0"/>
-              <a:t>10/21/2015</a:t>
+              <a:t>11/4/15</a:t>
             </a:fld>
             <a:endParaRPr lang="en-US" dirty="0"/>
           </a:p>
@@ -4437,7 +4438,7 @@
           <a:p>
             <a:fld id="{476FB7AA-4A53-424F-AD41-70827B6504BA}" type="datetimeFigureOut">
               <a:rPr lang="en-US" smtClean="0"/>
-              <a:t>10/21/2015</a:t>
+              <a:t>11/4/15</a:t>
             </a:fld>
             <a:endParaRPr lang="en-US" dirty="0"/>
           </a:p>
@@ -4537,7 +4538,7 @@
           <a:p>
             <a:fld id="{E7884882-FB12-4BC8-9960-9AD8104D7FAE}" type="datetimeFigureOut">
               <a:rPr lang="en-US" smtClean="0"/>
-              <a:t>10/21/2015</a:t>
+              <a:t>11/4/15</a:t>
             </a:fld>
             <a:endParaRPr lang="en-US" dirty="0"/>
           </a:p>
@@ -4817,7 +4818,7 @@
           <a:p>
             <a:fld id="{F7D1BD23-6E54-4D9D-AD88-A2813C73CC25}" type="datetimeFigureOut">
               <a:rPr lang="en-US" smtClean="0"/>
-              <a:t>10/21/2015</a:t>
+              <a:t>11/4/15</a:t>
             </a:fld>
             <a:endParaRPr lang="en-US" dirty="0"/>
           </a:p>
@@ -5105,7 +5106,7 @@
           <a:p>
             <a:fld id="{1471A834-4F3C-4AF9-9C74-05EC35A0F292}" type="datetimeFigureOut">
               <a:rPr lang="en-US" smtClean="0"/>
-              <a:t>10/21/2015</a:t>
+              <a:t>11/4/15</a:t>
             </a:fld>
             <a:endParaRPr lang="en-US" dirty="0"/>
           </a:p>
@@ -5350,7 +5351,7 @@
           <a:p>
             <a:fld id="{51CF1133-3259-4C45-BABA-5B62D9C6F78D}" type="datetimeFigureOut">
               <a:rPr lang="en-US" smtClean="0"/>
-              <a:t>10/21/2015</a:t>
+              <a:t>11/4/15</a:t>
             </a:fld>
             <a:endParaRPr lang="en-US" dirty="0"/>
           </a:p>
@@ -6379,11 +6380,7 @@
             </a:br>
             <a:r>
               <a:rPr lang="en-US" sz="4000" b="1" dirty="0" smtClean="0"/>
-              <a:t>on October </a:t>
-            </a:r>
-            <a:r>
-              <a:rPr lang="en-US" sz="4000" b="1" dirty="0" smtClean="0"/>
-              <a:t>21</a:t>
+              <a:t>on October 21</a:t>
             </a:r>
             <a:r>
               <a:rPr lang="en-US" sz="4000" b="1" baseline="30000" dirty="0" smtClean="0"/>
@@ -6391,11 +6388,7 @@
             </a:r>
             <a:r>
               <a:rPr lang="en-US" sz="4000" b="1" dirty="0" smtClean="0"/>
-              <a:t> </a:t>
-            </a:r>
-            <a:r>
-              <a:rPr lang="en-US" sz="4000" b="1" dirty="0" smtClean="0"/>
-              <a:t>2015</a:t>
+              <a:t> 2015</a:t>
             </a:r>
             <a:endParaRPr lang="en-US" sz="4400" dirty="0"/>
           </a:p>
@@ -6546,6 +6539,229 @@
 </file>
 
 <file path=ppt/slides/slide5.xml><?xml version="1.0" encoding="utf-8"?>
+<p:sld xmlns:a="http://schemas.openxmlformats.org/drawingml/2006/main" xmlns:r="http://schemas.openxmlformats.org/officeDocument/2006/relationships" xmlns:p="http://schemas.openxmlformats.org/presentationml/2006/main">
+  <p:cSld>
+    <p:spTree>
+      <p:nvGrpSpPr>
+        <p:cNvPr id="1" name=""/>
+        <p:cNvGrpSpPr/>
+        <p:nvPr/>
+      </p:nvGrpSpPr>
+      <p:grpSpPr>
+        <a:xfrm>
+          <a:off x="0" y="0"/>
+          <a:ext cx="0" cy="0"/>
+          <a:chOff x="0" y="0"/>
+          <a:chExt cx="0" cy="0"/>
+        </a:xfrm>
+      </p:grpSpPr>
+      <p:sp>
+        <p:nvSpPr>
+          <p:cNvPr id="2" name="Title 1"/>
+          <p:cNvSpPr>
+            <a:spLocks noGrp="1"/>
+          </p:cNvSpPr>
+          <p:nvPr>
+            <p:ph type="title"/>
+          </p:nvPr>
+        </p:nvSpPr>
+        <p:spPr/>
+        <p:txBody>
+          <a:bodyPr>
+            <a:noAutofit/>
+          </a:bodyPr>
+          <a:lstStyle/>
+          <a:p>
+            <a:pPr algn="ctr"/>
+            <a:r>
+              <a:rPr lang="en-US" sz="6398" b="1" dirty="0"/>
+              <a:t>Highlights of CSGSA </a:t>
+            </a:r>
+            <a:r>
+              <a:rPr lang="en-US" sz="6398" b="1" dirty="0" smtClean="0"/>
+              <a:t>Meeting</a:t>
+            </a:r>
+            <a:br>
+              <a:rPr lang="en-US" sz="6398" b="1" dirty="0" smtClean="0"/>
+            </a:br>
+            <a:r>
+              <a:rPr lang="en-US" sz="4000" b="1" dirty="0" smtClean="0"/>
+              <a:t>on </a:t>
+            </a:r>
+            <a:r>
+              <a:rPr lang="en-US" sz="4000" b="1" dirty="0" smtClean="0"/>
+              <a:t>November </a:t>
+            </a:r>
+            <a:r>
+              <a:rPr lang="en-US" sz="4000" b="1" dirty="0"/>
+              <a:t>4</a:t>
+            </a:r>
+            <a:r>
+              <a:rPr lang="en-US" sz="4000" b="1" baseline="30000" dirty="0" smtClean="0"/>
+              <a:t>th</a:t>
+            </a:r>
+            <a:r>
+              <a:rPr lang="en-US" sz="4000" b="1" dirty="0" smtClean="0"/>
+              <a:t> </a:t>
+            </a:r>
+            <a:r>
+              <a:rPr lang="en-US" sz="4000" b="1" dirty="0" smtClean="0"/>
+              <a:t>2015</a:t>
+            </a:r>
+            <a:endParaRPr lang="en-US" sz="4400" dirty="0"/>
+          </a:p>
+        </p:txBody>
+      </p:sp>
+      <p:sp>
+        <p:nvSpPr>
+          <p:cNvPr id="3" name="Content Placeholder 2"/>
+          <p:cNvSpPr>
+            <a:spLocks noGrp="1"/>
+          </p:cNvSpPr>
+          <p:nvPr>
+            <p:ph idx="1"/>
+          </p:nvPr>
+        </p:nvSpPr>
+        <p:spPr/>
+        <p:txBody>
+          <a:bodyPr>
+            <a:normAutofit fontScale="92500" lnSpcReduction="20000"/>
+          </a:bodyPr>
+          <a:lstStyle/>
+          <a:p>
+            <a:pPr>
+              <a:lnSpc>
+                <a:spcPct val="120000"/>
+              </a:lnSpc>
+            </a:pPr>
+            <a:r>
+              <a:rPr lang="en-US" sz="4400" dirty="0" smtClean="0"/>
+              <a:t>CSGSA website releases!</a:t>
+            </a:r>
+          </a:p>
+          <a:p>
+            <a:pPr marL="457189" lvl="1" indent="0">
+              <a:lnSpc>
+                <a:spcPct val="120000"/>
+              </a:lnSpc>
+              <a:buNone/>
+            </a:pPr>
+            <a:r>
+              <a:rPr lang="en-US" sz="3867" dirty="0">
+                <a:hlinkClick r:id="rId2"/>
+              </a:rPr>
+              <a:t>http://</a:t>
+            </a:r>
+            <a:r>
+              <a:rPr lang="en-US" sz="3867" dirty="0" smtClean="0">
+                <a:hlinkClick r:id="rId2"/>
+              </a:rPr>
+              <a:t>gsa.cs.uh.edu</a:t>
+            </a:r>
+            <a:endParaRPr lang="en-US" sz="3867" dirty="0" smtClean="0"/>
+          </a:p>
+          <a:p>
+            <a:pPr marL="457189" lvl="1" indent="0">
+              <a:lnSpc>
+                <a:spcPct val="120000"/>
+              </a:lnSpc>
+              <a:buNone/>
+            </a:pPr>
+            <a:endParaRPr lang="en-US" sz="3867" dirty="0"/>
+          </a:p>
+          <a:p>
+            <a:pPr>
+              <a:lnSpc>
+                <a:spcPct val="120000"/>
+              </a:lnSpc>
+            </a:pPr>
+            <a:r>
+              <a:rPr lang="en-US" sz="4400" dirty="0" smtClean="0"/>
+              <a:t>We</a:t>
+            </a:r>
+            <a:r>
+              <a:rPr lang="en-US" sz="4400" dirty="0" smtClean="0"/>
+              <a:t> welcomed two new members.</a:t>
+            </a:r>
+          </a:p>
+          <a:p>
+            <a:pPr>
+              <a:lnSpc>
+                <a:spcPct val="120000"/>
+              </a:lnSpc>
+            </a:pPr>
+            <a:endParaRPr lang="en-US" sz="3600" dirty="0"/>
+          </a:p>
+          <a:p>
+            <a:pPr>
+              <a:lnSpc>
+                <a:spcPct val="120000"/>
+              </a:lnSpc>
+            </a:pPr>
+            <a:r>
+              <a:rPr lang="en-US" sz="4400" dirty="0" smtClean="0"/>
+              <a:t>We are </a:t>
+            </a:r>
+            <a:r>
+              <a:rPr lang="en-US" sz="4400" dirty="0"/>
+              <a:t>going to </a:t>
+            </a:r>
+            <a:r>
+              <a:rPr lang="en-US" sz="4400" dirty="0" smtClean="0"/>
+              <a:t>hold its second and final meeting with its prospective new officers on on </a:t>
+            </a:r>
+            <a:r>
+              <a:rPr lang="en-US" sz="4400" dirty="0" smtClean="0"/>
+              <a:t>Nov </a:t>
+            </a:r>
+            <a:r>
+              <a:rPr lang="en-US" sz="4400" dirty="0" smtClean="0"/>
+              <a:t>17, </a:t>
+            </a:r>
+            <a:r>
+              <a:rPr lang="en-US" sz="4400" dirty="0" smtClean="0"/>
+              <a:t>2015</a:t>
+            </a:r>
+            <a:r>
+              <a:rPr lang="en-US" sz="4400" dirty="0" smtClean="0"/>
+              <a:t>.</a:t>
+            </a:r>
+          </a:p>
+          <a:p>
+            <a:pPr>
+              <a:lnSpc>
+                <a:spcPct val="120000"/>
+              </a:lnSpc>
+            </a:pPr>
+            <a:endParaRPr lang="en-US" sz="4400" dirty="0" smtClean="0"/>
+          </a:p>
+          <a:p>
+            <a:pPr>
+              <a:lnSpc>
+                <a:spcPct val="120000"/>
+              </a:lnSpc>
+            </a:pPr>
+            <a:r>
+              <a:rPr lang="en-US" sz="4400" dirty="0" smtClean="0"/>
+              <a:t>We planning to have a hangout of FALL 2015 and will announce it soon.</a:t>
+            </a:r>
+          </a:p>
+        </p:txBody>
+      </p:sp>
+    </p:spTree>
+    <p:extLst>
+      <p:ext uri="{BB962C8B-B14F-4D97-AF65-F5344CB8AC3E}">
+        <p14:creationId xmlns:p14="http://schemas.microsoft.com/office/powerpoint/2010/main" val="836616862"/>
+      </p:ext>
+    </p:extLst>
+  </p:cSld>
+  <p:clrMapOvr>
+    <a:masterClrMapping/>
+  </p:clrMapOvr>
+</p:sld>
+</file>
+
+<file path=ppt/slides/slide6.xml><?xml version="1.0" encoding="utf-8"?>
 <p:sld xmlns:a="http://schemas.openxmlformats.org/drawingml/2006/main" xmlns:r="http://schemas.openxmlformats.org/officeDocument/2006/relationships" xmlns:p="http://schemas.openxmlformats.org/presentationml/2006/main">
   <p:cSld>
     <p:spTree>

--- a/template.pptx
+++ b/template.pptx
@@ -6586,11 +6586,7 @@
             </a:br>
             <a:r>
               <a:rPr lang="en-US" sz="4000" b="1" dirty="0" smtClean="0"/>
-              <a:t>on </a:t>
-            </a:r>
-            <a:r>
-              <a:rPr lang="en-US" sz="4000" b="1" dirty="0" smtClean="0"/>
-              <a:t>November </a:t>
+              <a:t>on November </a:t>
             </a:r>
             <a:r>
               <a:rPr lang="en-US" sz="4000" b="1" dirty="0"/>
@@ -6602,11 +6598,7 @@
             </a:r>
             <a:r>
               <a:rPr lang="en-US" sz="4000" b="1" dirty="0" smtClean="0"/>
-              <a:t> </a:t>
-            </a:r>
-            <a:r>
-              <a:rPr lang="en-US" sz="4000" b="1" dirty="0" smtClean="0"/>
-              <a:t>2015</a:t>
+              <a:t> 2015</a:t>
             </a:r>
             <a:endParaRPr lang="en-US" sz="4400" dirty="0"/>
           </a:p>
@@ -6677,11 +6669,7 @@
             </a:pPr>
             <a:r>
               <a:rPr lang="en-US" sz="4400" dirty="0" smtClean="0"/>
-              <a:t>We</a:t>
-            </a:r>
-            <a:r>
-              <a:rPr lang="en-US" sz="4400" dirty="0" smtClean="0"/>
-              <a:t> welcomed two new members.</a:t>
+              <a:t>We welcomed two new members.</a:t>
             </a:r>
           </a:p>
           <a:p>
@@ -6708,23 +6696,7 @@
             </a:r>
             <a:r>
               <a:rPr lang="en-US" sz="4400" dirty="0" smtClean="0"/>
-              <a:t>hold its second and final meeting with its prospective new officers on on </a:t>
-            </a:r>
-            <a:r>
-              <a:rPr lang="en-US" sz="4400" dirty="0" smtClean="0"/>
-              <a:t>Nov </a:t>
-            </a:r>
-            <a:r>
-              <a:rPr lang="en-US" sz="4400" dirty="0" smtClean="0"/>
-              <a:t>17, </a:t>
-            </a:r>
-            <a:r>
-              <a:rPr lang="en-US" sz="4400" dirty="0" smtClean="0"/>
-              <a:t>2015</a:t>
-            </a:r>
-            <a:r>
-              <a:rPr lang="en-US" sz="4400" dirty="0" smtClean="0"/>
-              <a:t>.</a:t>
+              <a:t>hold its second and final meeting with its prospective new officers on on Nov 17, 2015.</a:t>
             </a:r>
           </a:p>
           <a:p>

--- a/template.pptx
+++ b/template.pptx
@@ -4,13 +4,17 @@
   <p:sldMasterIdLst>
     <p:sldMasterId id="2147483669" r:id="rId1"/>
   </p:sldMasterIdLst>
+  <p:notesMasterIdLst>
+    <p:notesMasterId r:id="rId9"/>
+  </p:notesMasterIdLst>
   <p:sldIdLst>
     <p:sldId id="256" r:id="rId2"/>
     <p:sldId id="257" r:id="rId3"/>
     <p:sldId id="259" r:id="rId4"/>
     <p:sldId id="260" r:id="rId5"/>
     <p:sldId id="261" r:id="rId6"/>
-    <p:sldId id="258" r:id="rId7"/>
+    <p:sldId id="262" r:id="rId7"/>
+    <p:sldId id="258" r:id="rId8"/>
   </p:sldIdLst>
   <p:sldSz cx="12192000" cy="12188825"/>
   <p:notesSz cx="6858000" cy="9144000"/>
@@ -117,6 +121,440 @@
 </p:presentation>
 </file>
 
+<file path=ppt/notesMasters/notesMaster1.xml><?xml version="1.0" encoding="utf-8"?>
+<p:notesMaster xmlns:a="http://schemas.openxmlformats.org/drawingml/2006/main" xmlns:r="http://schemas.openxmlformats.org/officeDocument/2006/relationships" xmlns:p="http://schemas.openxmlformats.org/presentationml/2006/main">
+  <p:cSld>
+    <p:bg>
+      <p:bgRef idx="1001">
+        <a:schemeClr val="bg1"/>
+      </p:bgRef>
+    </p:bg>
+    <p:spTree>
+      <p:nvGrpSpPr>
+        <p:cNvPr id="1" name=""/>
+        <p:cNvGrpSpPr/>
+        <p:nvPr/>
+      </p:nvGrpSpPr>
+      <p:grpSpPr>
+        <a:xfrm>
+          <a:off x="0" y="0"/>
+          <a:ext cx="0" cy="0"/>
+          <a:chOff x="0" y="0"/>
+          <a:chExt cx="0" cy="0"/>
+        </a:xfrm>
+      </p:grpSpPr>
+      <p:sp>
+        <p:nvSpPr>
+          <p:cNvPr id="2" name="Header Placeholder 1"/>
+          <p:cNvSpPr>
+            <a:spLocks noGrp="1"/>
+          </p:cNvSpPr>
+          <p:nvPr>
+            <p:ph type="hdr" sz="quarter"/>
+          </p:nvPr>
+        </p:nvSpPr>
+        <p:spPr>
+          <a:xfrm>
+            <a:off x="0" y="0"/>
+            <a:ext cx="2971800" cy="458788"/>
+          </a:xfrm>
+          <a:prstGeom prst="rect">
+            <a:avLst/>
+          </a:prstGeom>
+        </p:spPr>
+        <p:txBody>
+          <a:bodyPr vert="horz" lIns="91440" tIns="45720" rIns="91440" bIns="45720" rtlCol="0"/>
+          <a:lstStyle>
+            <a:lvl1pPr algn="l">
+              <a:defRPr sz="1200"/>
+            </a:lvl1pPr>
+          </a:lstStyle>
+          <a:p>
+            <a:endParaRPr lang="en-US"/>
+          </a:p>
+        </p:txBody>
+      </p:sp>
+      <p:sp>
+        <p:nvSpPr>
+          <p:cNvPr id="3" name="Date Placeholder 2"/>
+          <p:cNvSpPr>
+            <a:spLocks noGrp="1"/>
+          </p:cNvSpPr>
+          <p:nvPr>
+            <p:ph type="dt" idx="1"/>
+          </p:nvPr>
+        </p:nvSpPr>
+        <p:spPr>
+          <a:xfrm>
+            <a:off x="3884613" y="0"/>
+            <a:ext cx="2971800" cy="458788"/>
+          </a:xfrm>
+          <a:prstGeom prst="rect">
+            <a:avLst/>
+          </a:prstGeom>
+        </p:spPr>
+        <p:txBody>
+          <a:bodyPr vert="horz" lIns="91440" tIns="45720" rIns="91440" bIns="45720" rtlCol="0"/>
+          <a:lstStyle>
+            <a:lvl1pPr algn="r">
+              <a:defRPr sz="1200"/>
+            </a:lvl1pPr>
+          </a:lstStyle>
+          <a:p>
+            <a:fld id="{ACCD4E62-38AA-0745-AF38-78262B804E36}" type="datetimeFigureOut">
+              <a:rPr lang="en-US" smtClean="0"/>
+              <a:t>12/23/15</a:t>
+            </a:fld>
+            <a:endParaRPr lang="en-US"/>
+          </a:p>
+        </p:txBody>
+      </p:sp>
+      <p:sp>
+        <p:nvSpPr>
+          <p:cNvPr id="4" name="Slide Image Placeholder 3"/>
+          <p:cNvSpPr>
+            <a:spLocks noGrp="1" noRot="1" noChangeAspect="1"/>
+          </p:cNvSpPr>
+          <p:nvPr>
+            <p:ph type="sldImg" idx="2"/>
+          </p:nvPr>
+        </p:nvSpPr>
+        <p:spPr>
+          <a:xfrm>
+            <a:off x="1885950" y="1143000"/>
+            <a:ext cx="3086100" cy="3086100"/>
+          </a:xfrm>
+          <a:prstGeom prst="rect">
+            <a:avLst/>
+          </a:prstGeom>
+          <a:noFill/>
+          <a:ln w="12700">
+            <a:solidFill>
+              <a:prstClr val="black"/>
+            </a:solidFill>
+          </a:ln>
+        </p:spPr>
+        <p:txBody>
+          <a:bodyPr vert="horz" lIns="91440" tIns="45720" rIns="91440" bIns="45720" rtlCol="0" anchor="ctr"/>
+          <a:lstStyle/>
+          <a:p>
+            <a:endParaRPr lang="en-US"/>
+          </a:p>
+        </p:txBody>
+      </p:sp>
+      <p:sp>
+        <p:nvSpPr>
+          <p:cNvPr id="5" name="Notes Placeholder 4"/>
+          <p:cNvSpPr>
+            <a:spLocks noGrp="1"/>
+          </p:cNvSpPr>
+          <p:nvPr>
+            <p:ph type="body" sz="quarter" idx="3"/>
+          </p:nvPr>
+        </p:nvSpPr>
+        <p:spPr>
+          <a:xfrm>
+            <a:off x="685800" y="4400550"/>
+            <a:ext cx="5486400" cy="3600450"/>
+          </a:xfrm>
+          <a:prstGeom prst="rect">
+            <a:avLst/>
+          </a:prstGeom>
+        </p:spPr>
+        <p:txBody>
+          <a:bodyPr vert="horz" lIns="91440" tIns="45720" rIns="91440" bIns="45720" rtlCol="0"/>
+          <a:lstStyle/>
+          <a:p>
+            <a:pPr lvl="0"/>
+            <a:r>
+              <a:rPr lang="en-US" smtClean="0"/>
+              <a:t>Click to edit Master text styles</a:t>
+            </a:r>
+          </a:p>
+          <a:p>
+            <a:pPr lvl="1"/>
+            <a:r>
+              <a:rPr lang="en-US" smtClean="0"/>
+              <a:t>Second level</a:t>
+            </a:r>
+          </a:p>
+          <a:p>
+            <a:pPr lvl="2"/>
+            <a:r>
+              <a:rPr lang="en-US" smtClean="0"/>
+              <a:t>Third level</a:t>
+            </a:r>
+          </a:p>
+          <a:p>
+            <a:pPr lvl="3"/>
+            <a:r>
+              <a:rPr lang="en-US" smtClean="0"/>
+              <a:t>Fourth level</a:t>
+            </a:r>
+          </a:p>
+          <a:p>
+            <a:pPr lvl="4"/>
+            <a:r>
+              <a:rPr lang="en-US" smtClean="0"/>
+              <a:t>Fifth level</a:t>
+            </a:r>
+            <a:endParaRPr lang="en-US"/>
+          </a:p>
+        </p:txBody>
+      </p:sp>
+      <p:sp>
+        <p:nvSpPr>
+          <p:cNvPr id="6" name="Footer Placeholder 5"/>
+          <p:cNvSpPr>
+            <a:spLocks noGrp="1"/>
+          </p:cNvSpPr>
+          <p:nvPr>
+            <p:ph type="ftr" sz="quarter" idx="4"/>
+          </p:nvPr>
+        </p:nvSpPr>
+        <p:spPr>
+          <a:xfrm>
+            <a:off x="0" y="8685213"/>
+            <a:ext cx="2971800" cy="458787"/>
+          </a:xfrm>
+          <a:prstGeom prst="rect">
+            <a:avLst/>
+          </a:prstGeom>
+        </p:spPr>
+        <p:txBody>
+          <a:bodyPr vert="horz" lIns="91440" tIns="45720" rIns="91440" bIns="45720" rtlCol="0" anchor="b"/>
+          <a:lstStyle>
+            <a:lvl1pPr algn="l">
+              <a:defRPr sz="1200"/>
+            </a:lvl1pPr>
+          </a:lstStyle>
+          <a:p>
+            <a:endParaRPr lang="en-US"/>
+          </a:p>
+        </p:txBody>
+      </p:sp>
+      <p:sp>
+        <p:nvSpPr>
+          <p:cNvPr id="7" name="Slide Number Placeholder 6"/>
+          <p:cNvSpPr>
+            <a:spLocks noGrp="1"/>
+          </p:cNvSpPr>
+          <p:nvPr>
+            <p:ph type="sldNum" sz="quarter" idx="5"/>
+          </p:nvPr>
+        </p:nvSpPr>
+        <p:spPr>
+          <a:xfrm>
+            <a:off x="3884613" y="8685213"/>
+            <a:ext cx="2971800" cy="458787"/>
+          </a:xfrm>
+          <a:prstGeom prst="rect">
+            <a:avLst/>
+          </a:prstGeom>
+        </p:spPr>
+        <p:txBody>
+          <a:bodyPr vert="horz" lIns="91440" tIns="45720" rIns="91440" bIns="45720" rtlCol="0" anchor="b"/>
+          <a:lstStyle>
+            <a:lvl1pPr algn="r">
+              <a:defRPr sz="1200"/>
+            </a:lvl1pPr>
+          </a:lstStyle>
+          <a:p>
+            <a:fld id="{FC53B3A4-3BD5-6847-925C-D00B3F521BEA}" type="slidenum">
+              <a:rPr lang="en-US" smtClean="0"/>
+              <a:t>‹#›</a:t>
+            </a:fld>
+            <a:endParaRPr lang="en-US"/>
+          </a:p>
+        </p:txBody>
+      </p:sp>
+    </p:spTree>
+    <p:extLst>
+      <p:ext uri="{BB962C8B-B14F-4D97-AF65-F5344CB8AC3E}">
+        <p14:creationId xmlns:p14="http://schemas.microsoft.com/office/powerpoint/2010/main" val="375309120"/>
+      </p:ext>
+    </p:extLst>
+  </p:cSld>
+  <p:clrMap bg1="lt1" tx1="dk1" bg2="lt2" tx2="dk2" accent1="accent1" accent2="accent2" accent3="accent3" accent4="accent4" accent5="accent5" accent6="accent6" hlink="hlink" folHlink="folHlink"/>
+  <p:notesStyle>
+    <a:lvl1pPr marL="0" algn="l" defTabSz="914400" rtl="0" eaLnBrk="1" latinLnBrk="0" hangingPunct="1">
+      <a:defRPr sz="1200" kern="1200">
+        <a:solidFill>
+          <a:schemeClr val="tx1"/>
+        </a:solidFill>
+        <a:latin typeface="+mn-lt"/>
+        <a:ea typeface="+mn-ea"/>
+        <a:cs typeface="+mn-cs"/>
+      </a:defRPr>
+    </a:lvl1pPr>
+    <a:lvl2pPr marL="457200" algn="l" defTabSz="914400" rtl="0" eaLnBrk="1" latinLnBrk="0" hangingPunct="1">
+      <a:defRPr sz="1200" kern="1200">
+        <a:solidFill>
+          <a:schemeClr val="tx1"/>
+        </a:solidFill>
+        <a:latin typeface="+mn-lt"/>
+        <a:ea typeface="+mn-ea"/>
+        <a:cs typeface="+mn-cs"/>
+      </a:defRPr>
+    </a:lvl2pPr>
+    <a:lvl3pPr marL="914400" algn="l" defTabSz="914400" rtl="0" eaLnBrk="1" latinLnBrk="0" hangingPunct="1">
+      <a:defRPr sz="1200" kern="1200">
+        <a:solidFill>
+          <a:schemeClr val="tx1"/>
+        </a:solidFill>
+        <a:latin typeface="+mn-lt"/>
+        <a:ea typeface="+mn-ea"/>
+        <a:cs typeface="+mn-cs"/>
+      </a:defRPr>
+    </a:lvl3pPr>
+    <a:lvl4pPr marL="1371600" algn="l" defTabSz="914400" rtl="0" eaLnBrk="1" latinLnBrk="0" hangingPunct="1">
+      <a:defRPr sz="1200" kern="1200">
+        <a:solidFill>
+          <a:schemeClr val="tx1"/>
+        </a:solidFill>
+        <a:latin typeface="+mn-lt"/>
+        <a:ea typeface="+mn-ea"/>
+        <a:cs typeface="+mn-cs"/>
+      </a:defRPr>
+    </a:lvl4pPr>
+    <a:lvl5pPr marL="1828800" algn="l" defTabSz="914400" rtl="0" eaLnBrk="1" latinLnBrk="0" hangingPunct="1">
+      <a:defRPr sz="1200" kern="1200">
+        <a:solidFill>
+          <a:schemeClr val="tx1"/>
+        </a:solidFill>
+        <a:latin typeface="+mn-lt"/>
+        <a:ea typeface="+mn-ea"/>
+        <a:cs typeface="+mn-cs"/>
+      </a:defRPr>
+    </a:lvl5pPr>
+    <a:lvl6pPr marL="2286000" algn="l" defTabSz="914400" rtl="0" eaLnBrk="1" latinLnBrk="0" hangingPunct="1">
+      <a:defRPr sz="1200" kern="1200">
+        <a:solidFill>
+          <a:schemeClr val="tx1"/>
+        </a:solidFill>
+        <a:latin typeface="+mn-lt"/>
+        <a:ea typeface="+mn-ea"/>
+        <a:cs typeface="+mn-cs"/>
+      </a:defRPr>
+    </a:lvl6pPr>
+    <a:lvl7pPr marL="2743200" algn="l" defTabSz="914400" rtl="0" eaLnBrk="1" latinLnBrk="0" hangingPunct="1">
+      <a:defRPr sz="1200" kern="1200">
+        <a:solidFill>
+          <a:schemeClr val="tx1"/>
+        </a:solidFill>
+        <a:latin typeface="+mn-lt"/>
+        <a:ea typeface="+mn-ea"/>
+        <a:cs typeface="+mn-cs"/>
+      </a:defRPr>
+    </a:lvl7pPr>
+    <a:lvl8pPr marL="3200400" algn="l" defTabSz="914400" rtl="0" eaLnBrk="1" latinLnBrk="0" hangingPunct="1">
+      <a:defRPr sz="1200" kern="1200">
+        <a:solidFill>
+          <a:schemeClr val="tx1"/>
+        </a:solidFill>
+        <a:latin typeface="+mn-lt"/>
+        <a:ea typeface="+mn-ea"/>
+        <a:cs typeface="+mn-cs"/>
+      </a:defRPr>
+    </a:lvl8pPr>
+    <a:lvl9pPr marL="3657600" algn="l" defTabSz="914400" rtl="0" eaLnBrk="1" latinLnBrk="0" hangingPunct="1">
+      <a:defRPr sz="1200" kern="1200">
+        <a:solidFill>
+          <a:schemeClr val="tx1"/>
+        </a:solidFill>
+        <a:latin typeface="+mn-lt"/>
+        <a:ea typeface="+mn-ea"/>
+        <a:cs typeface="+mn-cs"/>
+      </a:defRPr>
+    </a:lvl9pPr>
+  </p:notesStyle>
+</p:notesMaster>
+</file>
+
+<file path=ppt/notesSlides/notesSlide1.xml><?xml version="1.0" encoding="utf-8"?>
+<p:notes xmlns:a="http://schemas.openxmlformats.org/drawingml/2006/main" xmlns:r="http://schemas.openxmlformats.org/officeDocument/2006/relationships" xmlns:p="http://schemas.openxmlformats.org/presentationml/2006/main">
+  <p:cSld>
+    <p:spTree>
+      <p:nvGrpSpPr>
+        <p:cNvPr id="1" name=""/>
+        <p:cNvGrpSpPr/>
+        <p:nvPr/>
+      </p:nvGrpSpPr>
+      <p:grpSpPr>
+        <a:xfrm>
+          <a:off x="0" y="0"/>
+          <a:ext cx="0" cy="0"/>
+          <a:chOff x="0" y="0"/>
+          <a:chExt cx="0" cy="0"/>
+        </a:xfrm>
+      </p:grpSpPr>
+      <p:sp>
+        <p:nvSpPr>
+          <p:cNvPr id="2" name="Slide Image Placeholder 1"/>
+          <p:cNvSpPr>
+            <a:spLocks noGrp="1" noRot="1" noChangeAspect="1"/>
+          </p:cNvSpPr>
+          <p:nvPr>
+            <p:ph type="sldImg"/>
+          </p:nvPr>
+        </p:nvSpPr>
+        <p:spPr/>
+      </p:sp>
+      <p:sp>
+        <p:nvSpPr>
+          <p:cNvPr id="3" name="Notes Placeholder 2"/>
+          <p:cNvSpPr>
+            <a:spLocks noGrp="1"/>
+          </p:cNvSpPr>
+          <p:nvPr>
+            <p:ph type="body" idx="1"/>
+          </p:nvPr>
+        </p:nvSpPr>
+        <p:spPr/>
+        <p:txBody>
+          <a:bodyPr/>
+          <a:lstStyle/>
+          <a:p>
+            <a:endParaRPr lang="en-US" dirty="0"/>
+          </a:p>
+        </p:txBody>
+      </p:sp>
+      <p:sp>
+        <p:nvSpPr>
+          <p:cNvPr id="4" name="Slide Number Placeholder 3"/>
+          <p:cNvSpPr>
+            <a:spLocks noGrp="1"/>
+          </p:cNvSpPr>
+          <p:nvPr>
+            <p:ph type="sldNum" sz="quarter" idx="10"/>
+          </p:nvPr>
+        </p:nvSpPr>
+        <p:spPr/>
+        <p:txBody>
+          <a:bodyPr/>
+          <a:lstStyle/>
+          <a:p>
+            <a:fld id="{FC53B3A4-3BD5-6847-925C-D00B3F521BEA}" type="slidenum">
+              <a:rPr lang="en-US" smtClean="0"/>
+              <a:t>6</a:t>
+            </a:fld>
+            <a:endParaRPr lang="en-US"/>
+          </a:p>
+        </p:txBody>
+      </p:sp>
+    </p:spTree>
+    <p:extLst>
+      <p:ext uri="{BB962C8B-B14F-4D97-AF65-F5344CB8AC3E}">
+        <p14:creationId xmlns:p14="http://schemas.microsoft.com/office/powerpoint/2010/main" val="660908601"/>
+      </p:ext>
+    </p:extLst>
+  </p:cSld>
+  <p:clrMapOvr>
+    <a:masterClrMapping/>
+  </p:clrMapOvr>
+</p:notes>
+</file>
+
 <file path=ppt/slideLayouts/slideLayout1.xml><?xml version="1.0" encoding="utf-8"?>
 <p:sldLayout xmlns:a="http://schemas.openxmlformats.org/drawingml/2006/main" xmlns:r="http://schemas.openxmlformats.org/officeDocument/2006/relationships" xmlns:p="http://schemas.openxmlformats.org/presentationml/2006/main" type="title" preserve="1">
   <p:cSld name="Title Slide">
@@ -313,7 +751,7 @@
           <a:p>
             <a:fld id="{ECD19FB2-3AAB-4D03-B13A-2960828C78E3}" type="datetimeFigureOut">
               <a:rPr lang="en-US" smtClean="0"/>
-              <a:t>11/4/15</a:t>
+              <a:t>12/23/15</a:t>
             </a:fld>
             <a:endParaRPr lang="en-US" dirty="0"/>
           </a:p>
@@ -600,7 +1038,7 @@
           <a:p>
             <a:fld id="{1B80C674-7DFC-42FE-B9CD-82963CDB1557}" type="datetimeFigureOut">
               <a:rPr lang="en-US" smtClean="0"/>
-              <a:t>11/4/15</a:t>
+              <a:t>12/23/15</a:t>
             </a:fld>
             <a:endParaRPr lang="en-US" dirty="0"/>
           </a:p>
@@ -797,7 +1235,7 @@
           <a:p>
             <a:fld id="{2076456F-F47D-4F25-8053-2A695DA0CA7D}" type="datetimeFigureOut">
               <a:rPr lang="en-US" smtClean="0"/>
-              <a:t>11/4/15</a:t>
+              <a:t>12/23/15</a:t>
             </a:fld>
             <a:endParaRPr lang="en-US" dirty="0"/>
           </a:p>
@@ -1063,7 +1501,7 @@
           <a:p>
             <a:fld id="{5D6C7379-69CC-4837-9905-BEBA22830C8A}" type="datetimeFigureOut">
               <a:rPr lang="en-US" smtClean="0"/>
-              <a:t>11/4/15</a:t>
+              <a:t>12/23/15</a:t>
             </a:fld>
             <a:endParaRPr lang="en-US" dirty="0"/>
           </a:p>
@@ -1494,7 +1932,7 @@
           <a:p>
             <a:fld id="{49EB8B7E-8AEE-4F10-BFEE-C999AD004D36}" type="datetimeFigureOut">
               <a:rPr lang="en-US" smtClean="0"/>
-              <a:t>11/4/15</a:t>
+              <a:t>12/23/15</a:t>
             </a:fld>
             <a:endParaRPr lang="en-US" dirty="0"/>
           </a:p>
@@ -2045,7 +2483,7 @@
           <a:p>
             <a:fld id="{8668F3F9-58BC-440B-B37B-805B9055EF92}" type="datetimeFigureOut">
               <a:rPr lang="en-US" smtClean="0"/>
-              <a:t>11/4/15</a:t>
+              <a:t>12/23/15</a:t>
             </a:fld>
             <a:endParaRPr lang="en-US" dirty="0"/>
           </a:p>
@@ -2881,7 +3319,7 @@
           <a:p>
             <a:fld id="{0D5A53AF-48EA-489D-8260-9DCAB666386A}" type="datetimeFigureOut">
               <a:rPr lang="en-US" smtClean="0"/>
-              <a:t>11/4/15</a:t>
+              <a:t>12/23/15</a:t>
             </a:fld>
             <a:endParaRPr lang="en-US" dirty="0"/>
           </a:p>
@@ -3056,7 +3494,7 @@
           <a:p>
             <a:fld id="{0DED02AE-B9A4-47BD-AF8E-97E16144138B}" type="datetimeFigureOut">
               <a:rPr lang="en-US" smtClean="0"/>
-              <a:t>11/4/15</a:t>
+              <a:t>12/23/15</a:t>
             </a:fld>
             <a:endParaRPr lang="en-US" dirty="0"/>
           </a:p>
@@ -3241,7 +3679,7 @@
           <a:p>
             <a:fld id="{CF0FD78B-DB02-4362-BCDC-98A55456977C}" type="datetimeFigureOut">
               <a:rPr lang="en-US" smtClean="0"/>
-              <a:t>11/4/15</a:t>
+              <a:t>12/23/15</a:t>
             </a:fld>
             <a:endParaRPr lang="en-US" dirty="0"/>
           </a:p>
@@ -3416,7 +3854,7 @@
           <a:p>
             <a:fld id="{99916976-5D93-46E4-A98A-FAD63E4D0EA8}" type="datetimeFigureOut">
               <a:rPr lang="en-US" smtClean="0"/>
-              <a:t>11/4/15</a:t>
+              <a:t>12/23/15</a:t>
             </a:fld>
             <a:endParaRPr lang="en-US" dirty="0"/>
           </a:p>
@@ -3678,7 +4116,7 @@
           <a:p>
             <a:fld id="{0F39F4F5-F4D2-4D2A-AB60-88D37ADCB869}" type="datetimeFigureOut">
               <a:rPr lang="en-US" smtClean="0"/>
-              <a:t>11/4/15</a:t>
+              <a:t>12/23/15</a:t>
             </a:fld>
             <a:endParaRPr lang="en-US" dirty="0"/>
           </a:p>
@@ -3915,7 +4353,7 @@
           <a:p>
             <a:fld id="{D23BC6CE-6D1E-47E5-8859-F31AC5380EB2}" type="datetimeFigureOut">
               <a:rPr lang="en-US" smtClean="0"/>
-              <a:t>11/4/15</a:t>
+              <a:t>12/23/15</a:t>
             </a:fld>
             <a:endParaRPr lang="en-US" dirty="0"/>
           </a:p>
@@ -4315,7 +4753,7 @@
           <a:p>
             <a:fld id="{B1B4E7C4-4DA4-404D-9965-B13F2DD7D8BF}" type="datetimeFigureOut">
               <a:rPr lang="en-US" smtClean="0"/>
-              <a:t>11/4/15</a:t>
+              <a:t>12/23/15</a:t>
             </a:fld>
             <a:endParaRPr lang="en-US" dirty="0"/>
           </a:p>
@@ -4438,7 +4876,7 @@
           <a:p>
             <a:fld id="{476FB7AA-4A53-424F-AD41-70827B6504BA}" type="datetimeFigureOut">
               <a:rPr lang="en-US" smtClean="0"/>
-              <a:t>11/4/15</a:t>
+              <a:t>12/23/15</a:t>
             </a:fld>
             <a:endParaRPr lang="en-US" dirty="0"/>
           </a:p>
@@ -4538,7 +4976,7 @@
           <a:p>
             <a:fld id="{E7884882-FB12-4BC8-9960-9AD8104D7FAE}" type="datetimeFigureOut">
               <a:rPr lang="en-US" smtClean="0"/>
-              <a:t>11/4/15</a:t>
+              <a:t>12/23/15</a:t>
             </a:fld>
             <a:endParaRPr lang="en-US" dirty="0"/>
           </a:p>
@@ -4818,7 +5256,7 @@
           <a:p>
             <a:fld id="{F7D1BD23-6E54-4D9D-AD88-A2813C73CC25}" type="datetimeFigureOut">
               <a:rPr lang="en-US" smtClean="0"/>
-              <a:t>11/4/15</a:t>
+              <a:t>12/23/15</a:t>
             </a:fld>
             <a:endParaRPr lang="en-US" dirty="0"/>
           </a:p>
@@ -5106,7 +5544,7 @@
           <a:p>
             <a:fld id="{1471A834-4F3C-4AF9-9C74-05EC35A0F292}" type="datetimeFigureOut">
               <a:rPr lang="en-US" smtClean="0"/>
-              <a:t>11/4/15</a:t>
+              <a:t>12/23/15</a:t>
             </a:fld>
             <a:endParaRPr lang="en-US" dirty="0"/>
           </a:p>
@@ -5351,7 +5789,7 @@
           <a:p>
             <a:fld id="{51CF1133-3259-4C45-BABA-5B62D9C6F78D}" type="datetimeFigureOut">
               <a:rPr lang="en-US" smtClean="0"/>
-              <a:t>11/4/15</a:t>
+              <a:t>12/23/15</a:t>
             </a:fld>
             <a:endParaRPr lang="en-US" dirty="0"/>
           </a:p>
@@ -6730,10 +7168,262 @@
   <p:clrMapOvr>
     <a:masterClrMapping/>
   </p:clrMapOvr>
+  <p:timing>
+    <p:tnLst>
+      <p:par>
+        <p:cTn id="1" dur="indefinite" restart="never" nodeType="tmRoot"/>
+      </p:par>
+    </p:tnLst>
+  </p:timing>
 </p:sld>
 </file>
 
 <file path=ppt/slides/slide6.xml><?xml version="1.0" encoding="utf-8"?>
+<p:sld xmlns:a="http://schemas.openxmlformats.org/drawingml/2006/main" xmlns:r="http://schemas.openxmlformats.org/officeDocument/2006/relationships" xmlns:p="http://schemas.openxmlformats.org/presentationml/2006/main">
+  <p:cSld>
+    <p:spTree>
+      <p:nvGrpSpPr>
+        <p:cNvPr id="1" name=""/>
+        <p:cNvGrpSpPr/>
+        <p:nvPr/>
+      </p:nvGrpSpPr>
+      <p:grpSpPr>
+        <a:xfrm>
+          <a:off x="0" y="0"/>
+          <a:ext cx="0" cy="0"/>
+          <a:chOff x="0" y="0"/>
+          <a:chExt cx="0" cy="0"/>
+        </a:xfrm>
+      </p:grpSpPr>
+      <p:sp>
+        <p:nvSpPr>
+          <p:cNvPr id="10" name="Rectangle 9"/>
+          <p:cNvSpPr/>
+          <p:nvPr/>
+        </p:nvSpPr>
+        <p:spPr>
+          <a:xfrm>
+            <a:off x="0" y="0"/>
+            <a:ext cx="12192000" cy="12188825"/>
+          </a:xfrm>
+          <a:prstGeom prst="rect">
+            <a:avLst/>
+          </a:prstGeom>
+          <a:ln>
+            <a:noFill/>
+          </a:ln>
+        </p:spPr>
+        <p:style>
+          <a:lnRef idx="2">
+            <a:schemeClr val="accent6"/>
+          </a:lnRef>
+          <a:fillRef idx="1">
+            <a:schemeClr val="lt1"/>
+          </a:fillRef>
+          <a:effectRef idx="0">
+            <a:schemeClr val="accent6"/>
+          </a:effectRef>
+          <a:fontRef idx="minor">
+            <a:schemeClr val="dk1"/>
+          </a:fontRef>
+        </p:style>
+        <p:txBody>
+          <a:bodyPr rtlCol="0" anchor="ctr"/>
+          <a:lstStyle/>
+          <a:p>
+            <a:pPr algn="ctr"/>
+            <a:endParaRPr lang="en-US"/>
+          </a:p>
+        </p:txBody>
+      </p:sp>
+      <p:sp>
+        <p:nvSpPr>
+          <p:cNvPr id="3" name="Content Placeholder 2"/>
+          <p:cNvSpPr>
+            <a:spLocks noGrp="1"/>
+          </p:cNvSpPr>
+          <p:nvPr>
+            <p:ph idx="1"/>
+          </p:nvPr>
+        </p:nvSpPr>
+        <p:spPr>
+          <a:xfrm>
+            <a:off x="1120000" y="10896600"/>
+            <a:ext cx="10233800" cy="1021608"/>
+          </a:xfrm>
+        </p:spPr>
+        <p:txBody>
+          <a:bodyPr anchor="b">
+            <a:normAutofit/>
+          </a:bodyPr>
+          <a:lstStyle/>
+          <a:p>
+            <a:pPr marL="0" indent="0" algn="ctr">
+              <a:lnSpc>
+                <a:spcPct val="120000"/>
+              </a:lnSpc>
+              <a:buNone/>
+            </a:pPr>
+            <a:r>
+              <a:rPr lang="en-US" sz="3600" dirty="0" smtClean="0">
+                <a:solidFill>
+                  <a:schemeClr val="bg1">
+                    <a:lumMod val="75000"/>
+                    <a:lumOff val="25000"/>
+                  </a:schemeClr>
+                </a:solidFill>
+                <a:latin typeface="Calibri" charset="0"/>
+                <a:ea typeface="Calibri" charset="0"/>
+                <a:cs typeface="Calibri" charset="0"/>
+              </a:rPr>
+              <a:t>Keep Calm a</a:t>
+            </a:r>
+            <a:r>
+              <a:rPr lang="en-US" sz="3600" dirty="0" smtClean="0">
+                <a:solidFill>
+                  <a:schemeClr val="bg1">
+                    <a:lumMod val="75000"/>
+                    <a:lumOff val="25000"/>
+                  </a:schemeClr>
+                </a:solidFill>
+                <a:latin typeface="Calibri" charset="0"/>
+                <a:ea typeface="Calibri" charset="0"/>
+                <a:cs typeface="Calibri" charset="0"/>
+              </a:rPr>
+              <a:t>nd Write your Research </a:t>
+            </a:r>
+            <a:r>
+              <a:rPr lang="en-US" sz="3600" dirty="0" smtClean="0">
+                <a:solidFill>
+                  <a:schemeClr val="bg1">
+                    <a:lumMod val="75000"/>
+                    <a:lumOff val="25000"/>
+                  </a:schemeClr>
+                </a:solidFill>
+                <a:latin typeface="Calibri" charset="0"/>
+                <a:ea typeface="Calibri" charset="0"/>
+                <a:cs typeface="Calibri" charset="0"/>
+              </a:rPr>
+              <a:t>P</a:t>
+            </a:r>
+            <a:r>
+              <a:rPr lang="en-US" sz="3600" dirty="0" smtClean="0">
+                <a:solidFill>
+                  <a:schemeClr val="bg1">
+                    <a:lumMod val="75000"/>
+                    <a:lumOff val="25000"/>
+                  </a:schemeClr>
+                </a:solidFill>
+                <a:latin typeface="Calibri" charset="0"/>
+                <a:ea typeface="Calibri" charset="0"/>
+                <a:cs typeface="Calibri" charset="0"/>
+              </a:rPr>
+              <a:t>aper. </a:t>
+            </a:r>
+            <a:r>
+              <a:rPr lang="en-US" sz="3600" dirty="0" smtClean="0">
+                <a:solidFill>
+                  <a:schemeClr val="bg1">
+                    <a:lumMod val="75000"/>
+                    <a:lumOff val="25000"/>
+                  </a:schemeClr>
+                </a:solidFill>
+                <a:latin typeface="Calibri" charset="0"/>
+                <a:ea typeface="Calibri" charset="0"/>
+                <a:cs typeface="Calibri" charset="0"/>
+                <a:sym typeface="Wingdings"/>
+              </a:rPr>
+              <a:t></a:t>
+            </a:r>
+            <a:endParaRPr lang="en-US" sz="3600" dirty="0" smtClean="0">
+              <a:solidFill>
+                <a:schemeClr val="bg1">
+                  <a:lumMod val="75000"/>
+                  <a:lumOff val="25000"/>
+                </a:schemeClr>
+              </a:solidFill>
+              <a:latin typeface="Calibri" charset="0"/>
+              <a:ea typeface="Calibri" charset="0"/>
+              <a:cs typeface="Calibri" charset="0"/>
+            </a:endParaRPr>
+          </a:p>
+        </p:txBody>
+      </p:sp>
+      <p:pic>
+        <p:nvPicPr>
+          <p:cNvPr id="12" name="Picture 11"/>
+          <p:cNvPicPr>
+            <a:picLocks noChangeAspect="1"/>
+          </p:cNvPicPr>
+          <p:nvPr/>
+        </p:nvPicPr>
+        <p:blipFill>
+          <a:blip r:embed="rId3"/>
+          <a:stretch>
+            <a:fillRect/>
+          </a:stretch>
+        </p:blipFill>
+        <p:spPr>
+          <a:xfrm>
+            <a:off x="2743200" y="1196929"/>
+            <a:ext cx="6705600" cy="9794966"/>
+          </a:xfrm>
+          <a:prstGeom prst="rect">
+            <a:avLst/>
+          </a:prstGeom>
+        </p:spPr>
+      </p:pic>
+      <p:pic>
+        <p:nvPicPr>
+          <p:cNvPr id="16" name="Picture 15"/>
+          <p:cNvPicPr>
+            <a:picLocks noChangeAspect="1"/>
+          </p:cNvPicPr>
+          <p:nvPr/>
+        </p:nvPicPr>
+        <p:blipFill>
+          <a:blip r:embed="rId4">
+            <a:extLst>
+              <a:ext uri="{28A0092B-C50C-407E-A947-70E740481C1C}">
+                <a14:useLocalDpi xmlns:a14="http://schemas.microsoft.com/office/drawing/2010/main" val="0"/>
+              </a:ext>
+            </a:extLst>
+          </a:blip>
+          <a:stretch>
+            <a:fillRect/>
+          </a:stretch>
+        </p:blipFill>
+        <p:spPr>
+          <a:xfrm>
+            <a:off x="0" y="0"/>
+            <a:ext cx="4354625" cy="3276600"/>
+          </a:xfrm>
+          <a:prstGeom prst="rect">
+            <a:avLst/>
+          </a:prstGeom>
+        </p:spPr>
+      </p:pic>
+    </p:spTree>
+    <p:extLst>
+      <p:ext uri="{BB962C8B-B14F-4D97-AF65-F5344CB8AC3E}">
+        <p14:creationId xmlns:p14="http://schemas.microsoft.com/office/powerpoint/2010/main" val="1302890829"/>
+      </p:ext>
+    </p:extLst>
+  </p:cSld>
+  <p:clrMapOvr>
+    <a:masterClrMapping/>
+  </p:clrMapOvr>
+  <p:timing>
+    <p:tnLst>
+      <p:par>
+        <p:cTn id="1" dur="indefinite" restart="never" nodeType="tmRoot"/>
+      </p:par>
+    </p:tnLst>
+  </p:timing>
+</p:sld>
+</file>
+
+<file path=ppt/slides/slide7.xml><?xml version="1.0" encoding="utf-8"?>
 <p:sld xmlns:a="http://schemas.openxmlformats.org/drawingml/2006/main" xmlns:r="http://schemas.openxmlformats.org/officeDocument/2006/relationships" xmlns:p="http://schemas.openxmlformats.org/presentationml/2006/main">
   <p:cSld>
     <p:spTree>
@@ -7060,4 +7750,265 @@
     </a:ext>
   </a:extLst>
 </a:theme>
+</file>
+
+<file path=ppt/theme/theme2.xml><?xml version="1.0" encoding="utf-8"?>
+<a:theme xmlns:a="http://schemas.openxmlformats.org/drawingml/2006/main" name="Office Theme">
+  <a:themeElements>
+    <a:clrScheme name="Office">
+      <a:dk1>
+        <a:sysClr val="windowText" lastClr="000000"/>
+      </a:dk1>
+      <a:lt1>
+        <a:sysClr val="window" lastClr="FFFFFF"/>
+      </a:lt1>
+      <a:dk2>
+        <a:srgbClr val="44546A"/>
+      </a:dk2>
+      <a:lt2>
+        <a:srgbClr val="E7E6E6"/>
+      </a:lt2>
+      <a:accent1>
+        <a:srgbClr val="5B9BD5"/>
+      </a:accent1>
+      <a:accent2>
+        <a:srgbClr val="ED7D31"/>
+      </a:accent2>
+      <a:accent3>
+        <a:srgbClr val="A5A5A5"/>
+      </a:accent3>
+      <a:accent4>
+        <a:srgbClr val="FFC000"/>
+      </a:accent4>
+      <a:accent5>
+        <a:srgbClr val="4472C4"/>
+      </a:accent5>
+      <a:accent6>
+        <a:srgbClr val="70AD47"/>
+      </a:accent6>
+      <a:hlink>
+        <a:srgbClr val="0563C1"/>
+      </a:hlink>
+      <a:folHlink>
+        <a:srgbClr val="954F72"/>
+      </a:folHlink>
+    </a:clrScheme>
+    <a:fontScheme name="Office">
+      <a:majorFont>
+        <a:latin typeface="Calibri Light" panose="020F0302020204030204"/>
+        <a:ea typeface=""/>
+        <a:cs typeface=""/>
+        <a:font script="Jpan" typeface="Yu Gothic Light"/>
+        <a:font script="Hang" typeface="맑은 고딕"/>
+        <a:font script="Hans" typeface="DengXian Light"/>
+        <a:font script="Hant" typeface="新細明體"/>
+        <a:font script="Arab" typeface="Times New Roman"/>
+        <a:font script="Hebr" typeface="Times New Roman"/>
+        <a:font script="Thai" typeface="Angsana New"/>
+        <a:font script="Ethi" typeface="Nyala"/>
+        <a:font script="Beng" typeface="Vrinda"/>
+        <a:font script="Gujr" typeface="Shruti"/>
+        <a:font script="Khmr" typeface="MoolBoran"/>
+        <a:font script="Knda" typeface="Tunga"/>
+        <a:font script="Guru" typeface="Raavi"/>
+        <a:font script="Cans" typeface="Euphemia"/>
+        <a:font script="Cher" typeface="Plantagenet Cherokee"/>
+        <a:font script="Yiii" typeface="Microsoft Yi Baiti"/>
+        <a:font script="Tibt" typeface="Microsoft Himalaya"/>
+        <a:font script="Thaa" typeface="MV Boli"/>
+        <a:font script="Deva" typeface="Mangal"/>
+        <a:font script="Telu" typeface="Gautami"/>
+        <a:font script="Taml" typeface="Latha"/>
+        <a:font script="Syrc" typeface="Estrangelo Edessa"/>
+        <a:font script="Orya" typeface="Kalinga"/>
+        <a:font script="Mlym" typeface="Kartika"/>
+        <a:font script="Laoo" typeface="DokChampa"/>
+        <a:font script="Sinh" typeface="Iskoola Pota"/>
+        <a:font script="Mong" typeface="Mongolian Baiti"/>
+        <a:font script="Viet" typeface="Times New Roman"/>
+        <a:font script="Uigh" typeface="Microsoft Uighur"/>
+        <a:font script="Geor" typeface="Sylfaen"/>
+      </a:majorFont>
+      <a:minorFont>
+        <a:latin typeface="Calibri" panose="020F0502020204030204"/>
+        <a:ea typeface=""/>
+        <a:cs typeface=""/>
+        <a:font script="Jpan" typeface="Yu Gothic"/>
+        <a:font script="Hang" typeface="맑은 고딕"/>
+        <a:font script="Hans" typeface="DengXian"/>
+        <a:font script="Hant" typeface="新細明體"/>
+        <a:font script="Arab" typeface="Arial"/>
+        <a:font script="Hebr" typeface="Arial"/>
+        <a:font script="Thai" typeface="Cordia New"/>
+        <a:font script="Ethi" typeface="Nyala"/>
+        <a:font script="Beng" typeface="Vrinda"/>
+        <a:font script="Gujr" typeface="Shruti"/>
+        <a:font script="Khmr" typeface="DaunPenh"/>
+        <a:font script="Knda" typeface="Tunga"/>
+        <a:font script="Guru" typeface="Raavi"/>
+        <a:font script="Cans" typeface="Euphemia"/>
+        <a:font script="Cher" typeface="Plantagenet Cherokee"/>
+        <a:font script="Yiii" typeface="Microsoft Yi Baiti"/>
+        <a:font script="Tibt" typeface="Microsoft Himalaya"/>
+        <a:font script="Thaa" typeface="MV Boli"/>
+        <a:font script="Deva" typeface="Mangal"/>
+        <a:font script="Telu" typeface="Gautami"/>
+        <a:font script="Taml" typeface="Latha"/>
+        <a:font script="Syrc" typeface="Estrangelo Edessa"/>
+        <a:font script="Orya" typeface="Kalinga"/>
+        <a:font script="Mlym" typeface="Kartika"/>
+        <a:font script="Laoo" typeface="DokChampa"/>
+        <a:font script="Sinh" typeface="Iskoola Pota"/>
+        <a:font script="Mong" typeface="Mongolian Baiti"/>
+        <a:font script="Viet" typeface="Arial"/>
+        <a:font script="Uigh" typeface="Microsoft Uighur"/>
+        <a:font script="Geor" typeface="Sylfaen"/>
+      </a:minorFont>
+    </a:fontScheme>
+    <a:fmtScheme name="Office">
+      <a:fillStyleLst>
+        <a:solidFill>
+          <a:schemeClr val="phClr"/>
+        </a:solidFill>
+        <a:gradFill rotWithShape="1">
+          <a:gsLst>
+            <a:gs pos="0">
+              <a:schemeClr val="phClr">
+                <a:lumMod val="110000"/>
+                <a:satMod val="105000"/>
+                <a:tint val="67000"/>
+              </a:schemeClr>
+            </a:gs>
+            <a:gs pos="50000">
+              <a:schemeClr val="phClr">
+                <a:lumMod val="105000"/>
+                <a:satMod val="103000"/>
+                <a:tint val="73000"/>
+              </a:schemeClr>
+            </a:gs>
+            <a:gs pos="100000">
+              <a:schemeClr val="phClr">
+                <a:lumMod val="105000"/>
+                <a:satMod val="109000"/>
+                <a:tint val="81000"/>
+              </a:schemeClr>
+            </a:gs>
+          </a:gsLst>
+          <a:lin ang="5400000" scaled="0"/>
+        </a:gradFill>
+        <a:gradFill rotWithShape="1">
+          <a:gsLst>
+            <a:gs pos="0">
+              <a:schemeClr val="phClr">
+                <a:satMod val="103000"/>
+                <a:lumMod val="102000"/>
+                <a:tint val="94000"/>
+              </a:schemeClr>
+            </a:gs>
+            <a:gs pos="50000">
+              <a:schemeClr val="phClr">
+                <a:satMod val="110000"/>
+                <a:lumMod val="100000"/>
+                <a:shade val="100000"/>
+              </a:schemeClr>
+            </a:gs>
+            <a:gs pos="100000">
+              <a:schemeClr val="phClr">
+                <a:lumMod val="99000"/>
+                <a:satMod val="120000"/>
+                <a:shade val="78000"/>
+              </a:schemeClr>
+            </a:gs>
+          </a:gsLst>
+          <a:lin ang="5400000" scaled="0"/>
+        </a:gradFill>
+      </a:fillStyleLst>
+      <a:lnStyleLst>
+        <a:ln w="6350" cap="flat" cmpd="sng" algn="ctr">
+          <a:solidFill>
+            <a:schemeClr val="phClr"/>
+          </a:solidFill>
+          <a:prstDash val="solid"/>
+          <a:miter lim="800000"/>
+        </a:ln>
+        <a:ln w="12700" cap="flat" cmpd="sng" algn="ctr">
+          <a:solidFill>
+            <a:schemeClr val="phClr"/>
+          </a:solidFill>
+          <a:prstDash val="solid"/>
+          <a:miter lim="800000"/>
+        </a:ln>
+        <a:ln w="19050" cap="flat" cmpd="sng" algn="ctr">
+          <a:solidFill>
+            <a:schemeClr val="phClr"/>
+          </a:solidFill>
+          <a:prstDash val="solid"/>
+          <a:miter lim="800000"/>
+        </a:ln>
+      </a:lnStyleLst>
+      <a:effectStyleLst>
+        <a:effectStyle>
+          <a:effectLst/>
+        </a:effectStyle>
+        <a:effectStyle>
+          <a:effectLst/>
+        </a:effectStyle>
+        <a:effectStyle>
+          <a:effectLst>
+            <a:outerShdw blurRad="57150" dist="19050" dir="5400000" algn="ctr" rotWithShape="0">
+              <a:srgbClr val="000000">
+                <a:alpha val="63000"/>
+              </a:srgbClr>
+            </a:outerShdw>
+          </a:effectLst>
+        </a:effectStyle>
+      </a:effectStyleLst>
+      <a:bgFillStyleLst>
+        <a:solidFill>
+          <a:schemeClr val="phClr"/>
+        </a:solidFill>
+        <a:solidFill>
+          <a:schemeClr val="phClr">
+            <a:tint val="95000"/>
+            <a:satMod val="170000"/>
+          </a:schemeClr>
+        </a:solidFill>
+        <a:gradFill rotWithShape="1">
+          <a:gsLst>
+            <a:gs pos="0">
+              <a:schemeClr val="phClr">
+                <a:tint val="93000"/>
+                <a:satMod val="150000"/>
+                <a:shade val="98000"/>
+                <a:lumMod val="102000"/>
+              </a:schemeClr>
+            </a:gs>
+            <a:gs pos="50000">
+              <a:schemeClr val="phClr">
+                <a:tint val="98000"/>
+                <a:satMod val="130000"/>
+                <a:shade val="90000"/>
+                <a:lumMod val="103000"/>
+              </a:schemeClr>
+            </a:gs>
+            <a:gs pos="100000">
+              <a:schemeClr val="phClr">
+                <a:shade val="63000"/>
+                <a:satMod val="120000"/>
+              </a:schemeClr>
+            </a:gs>
+          </a:gsLst>
+          <a:lin ang="5400000" scaled="0"/>
+        </a:gradFill>
+      </a:bgFillStyleLst>
+    </a:fmtScheme>
+  </a:themeElements>
+  <a:objectDefaults/>
+  <a:extraClrSchemeLst/>
+  <a:extLst>
+    <a:ext uri="{05A4C25C-085E-4340-85A3-A5531E510DB2}">
+      <thm15:themeFamily xmlns:thm15="http://schemas.microsoft.com/office/thememl/2012/main" name="Office Theme" id="{62F939B6-93AF-4DB8-9C6B-D6C7DFDC589F}" vid="{4A3C46E8-61CC-4603-A589-7422A47A8E4A}"/>
+    </a:ext>
+  </a:extLst>
+</a:theme>
 </file>